--- a/SHARK ATTACKS PRESENTATION.pptx
+++ b/SHARK ATTACKS PRESENTATION.pptx
@@ -6,14 +6,15 @@
   </p:sldMasterIdLst>
   <p:sldIdLst>
     <p:sldId id="256" r:id="rId2"/>
-    <p:sldId id="267" r:id="rId3"/>
-    <p:sldId id="257" r:id="rId4"/>
-    <p:sldId id="262" r:id="rId5"/>
-    <p:sldId id="259" r:id="rId6"/>
-    <p:sldId id="266" r:id="rId7"/>
-    <p:sldId id="268" r:id="rId8"/>
-    <p:sldId id="261" r:id="rId9"/>
-    <p:sldId id="264" r:id="rId10"/>
+    <p:sldId id="269" r:id="rId3"/>
+    <p:sldId id="267" r:id="rId4"/>
+    <p:sldId id="257" r:id="rId5"/>
+    <p:sldId id="262" r:id="rId6"/>
+    <p:sldId id="259" r:id="rId7"/>
+    <p:sldId id="266" r:id="rId8"/>
+    <p:sldId id="268" r:id="rId9"/>
+    <p:sldId id="261" r:id="rId10"/>
+    <p:sldId id="264" r:id="rId11"/>
   </p:sldIdLst>
   <p:sldSz cx="12192000" cy="6858000"/>
   <p:notesSz cx="6858000" cy="9144000"/>
@@ -112,6 +113,11 @@
       </a:defRPr>
     </a:lvl9pPr>
   </p:defaultTextStyle>
+  <p:extLst>
+    <p:ext uri="{EFAFB233-063F-42B5-8137-9DF3F51BA10A}">
+      <p15:sldGuideLst xmlns:p15="http://schemas.microsoft.com/office/powerpoint/2012/main"/>
+    </p:ext>
+  </p:extLst>
 </p:presentation>
 </file>
 
@@ -14528,7 +14534,7 @@
           <a:p>
             <a:fld id="{EA0C0817-A112-4847-8014-A94B7D2A4EA3}" type="datetime1">
               <a:rPr lang="en-US" smtClean="0"/>
-              <a:t>1/17/20</a:t>
+              <a:t>1/24/20</a:t>
             </a:fld>
             <a:endParaRPr lang="en-US" dirty="0"/>
           </a:p>
@@ -14730,7 +14736,7 @@
           <a:p>
             <a:fld id="{134F40B7-36AB-4376-BE14-EF7004D79BB9}" type="datetime1">
               <a:rPr lang="en-US" smtClean="0"/>
-              <a:t>1/17/20</a:t>
+              <a:t>1/24/20</a:t>
             </a:fld>
             <a:endParaRPr lang="en-US"/>
           </a:p>
@@ -14910,7 +14916,7 @@
           <a:p>
             <a:fld id="{FF87CAB8-DCAE-46A5-AADA-B3FAD11A54E0}" type="datetime1">
               <a:rPr lang="en-US" smtClean="0"/>
-              <a:t>1/17/20</a:t>
+              <a:t>1/24/20</a:t>
             </a:fld>
             <a:endParaRPr lang="en-US"/>
           </a:p>
@@ -15080,7 +15086,7 @@
           <a:p>
             <a:fld id="{7332B432-ACDA-4023-A761-2BAB76577B62}" type="datetime1">
               <a:rPr lang="en-US" smtClean="0"/>
-              <a:t>1/17/20</a:t>
+              <a:t>1/24/20</a:t>
             </a:fld>
             <a:endParaRPr lang="en-US"/>
           </a:p>
@@ -15679,7 +15685,7 @@
           <a:p>
             <a:fld id="{D9C646AA-F36E-4540-911D-FFFC0A0EF24A}" type="datetime1">
               <a:rPr lang="en-US" smtClean="0"/>
-              <a:t>1/17/20</a:t>
+              <a:t>1/24/20</a:t>
             </a:fld>
             <a:endParaRPr lang="en-US" dirty="0"/>
           </a:p>
@@ -15999,7 +16005,7 @@
           <a:p>
             <a:fld id="{69186D26-FA5F-4637-B602-B7C2DC34CFD4}" type="datetime1">
               <a:rPr lang="en-US" smtClean="0"/>
-              <a:t>1/17/20</a:t>
+              <a:t>1/24/20</a:t>
             </a:fld>
             <a:endParaRPr lang="en-US"/>
           </a:p>
@@ -16434,7 +16440,7 @@
           <a:p>
             <a:fld id="{8A7F15D8-96D1-4781-BC50-CA8A088B2FE4}" type="datetime1">
               <a:rPr lang="en-US" smtClean="0"/>
-              <a:t>1/17/20</a:t>
+              <a:t>1/24/20</a:t>
             </a:fld>
             <a:endParaRPr lang="en-US"/>
           </a:p>
@@ -16552,7 +16558,7 @@
           <a:p>
             <a:fld id="{F9A96C99-B8F8-4528-BD05-0E16E943DC09}" type="datetime1">
               <a:rPr lang="en-US" smtClean="0"/>
-              <a:t>1/17/20</a:t>
+              <a:t>1/24/20</a:t>
             </a:fld>
             <a:endParaRPr lang="en-US"/>
           </a:p>
@@ -16647,7 +16653,7 @@
           <a:p>
             <a:fld id="{03636942-C211-4B28-8DBD-C953E00AF71B}" type="datetime1">
               <a:rPr lang="en-US" smtClean="0"/>
-              <a:t>1/17/20</a:t>
+              <a:t>1/24/20</a:t>
             </a:fld>
             <a:endParaRPr lang="en-US"/>
           </a:p>
@@ -17064,7 +17070,7 @@
           <a:p>
             <a:fld id="{7E8D12A6-918A-48BD-8CB9-CA713993B0EA}" type="datetime1">
               <a:rPr lang="en-US" smtClean="0"/>
-              <a:t>1/17/20</a:t>
+              <a:t>1/24/20</a:t>
             </a:fld>
             <a:endParaRPr lang="en-US"/>
           </a:p>
@@ -17326,7 +17332,7 @@
             <a:fld id="{E778CE86-875F-4587-BCF6-FA054AFC0D53}" type="datetime1">
               <a:rPr lang="en-US" smtClean="0"/>
               <a:pPr/>
-              <a:t>1/17/20</a:t>
+              <a:t>1/24/20</a:t>
             </a:fld>
             <a:endParaRPr lang="en-US" dirty="0"/>
           </a:p>
@@ -17842,7 +17848,7 @@
           <a:p>
             <a:fld id="{F6FA2B21-3FCD-4721-B95C-427943F61125}" type="datetime1">
               <a:rPr lang="en-US" smtClean="0"/>
-              <a:t>1/17/20</a:t>
+              <a:t>1/24/20</a:t>
             </a:fld>
             <a:endParaRPr lang="en-US"/>
           </a:p>
@@ -18600,7 +18606,358 @@
 </p:sld>
 </file>
 
+<file path=ppt/slides/slide10.xml><?xml version="1.0" encoding="utf-8"?>
+<p:sld xmlns:a="http://schemas.openxmlformats.org/drawingml/2006/main" xmlns:r="http://schemas.openxmlformats.org/officeDocument/2006/relationships" xmlns:p="http://schemas.openxmlformats.org/presentationml/2006/main">
+  <p:cSld>
+    <p:bg>
+      <p:bgPr>
+        <a:solidFill>
+          <a:schemeClr val="bg1"/>
+        </a:solidFill>
+        <a:effectLst/>
+      </p:bgPr>
+    </p:bg>
+    <p:spTree>
+      <p:nvGrpSpPr>
+        <p:cNvPr id="1" name=""/>
+        <p:cNvGrpSpPr/>
+        <p:nvPr/>
+      </p:nvGrpSpPr>
+      <p:grpSpPr>
+        <a:xfrm>
+          <a:off x="0" y="0"/>
+          <a:ext cx="0" cy="0"/>
+          <a:chOff x="0" y="0"/>
+          <a:chExt cx="0" cy="0"/>
+        </a:xfrm>
+      </p:grpSpPr>
+      <p:sp useBgFill="1">
+        <p:nvSpPr>
+          <p:cNvPr id="10" name="Rectangle 9">
+            <a:extLst>
+              <a:ext uri="{FF2B5EF4-FFF2-40B4-BE49-F238E27FC236}">
+                <a16:creationId xmlns:a16="http://schemas.microsoft.com/office/drawing/2014/main" id="{A2AD6B69-E0A0-476D-9EE1-6B69F04C59F8}"/>
+              </a:ext>
+              <a:ext uri="{C183D7F6-B498-43B3-948B-1728B52AA6E4}">
+                <adec:decorative xmlns:adec="http://schemas.microsoft.com/office/drawing/2017/decorative" val="1"/>
+              </a:ext>
+            </a:extLst>
+          </p:cNvPr>
+          <p:cNvSpPr>
+            <a:spLocks noGrp="1" noRot="1" noChangeAspect="1" noMove="1" noResize="1" noEditPoints="1" noAdjustHandles="1" noChangeArrowheads="1" noChangeShapeType="1" noTextEdit="1"/>
+          </p:cNvSpPr>
+          <p:nvPr>
+            <p:extLst>
+              <p:ext uri="{386F3935-93C4-4BCD-93E2-E3B085C9AB24}">
+                <p16:designElem xmlns:p16="http://schemas.microsoft.com/office/powerpoint/2015/main" val="1"/>
+              </p:ext>
+            </p:extLst>
+          </p:nvPr>
+        </p:nvSpPr>
+        <p:spPr>
+          <a:xfrm>
+            <a:off x="0" y="0"/>
+            <a:ext cx="12192000" cy="6858000"/>
+          </a:xfrm>
+          <a:prstGeom prst="rect">
+            <a:avLst/>
+          </a:prstGeom>
+          <a:ln>
+            <a:noFill/>
+          </a:ln>
+        </p:spPr>
+        <p:style>
+          <a:lnRef idx="2">
+            <a:schemeClr val="accent1">
+              <a:shade val="50000"/>
+            </a:schemeClr>
+          </a:lnRef>
+          <a:fillRef idx="1">
+            <a:schemeClr val="accent1"/>
+          </a:fillRef>
+          <a:effectRef idx="0">
+            <a:schemeClr val="accent1"/>
+          </a:effectRef>
+          <a:fontRef idx="minor">
+            <a:schemeClr val="lt1"/>
+          </a:fontRef>
+        </p:style>
+        <p:txBody>
+          <a:bodyPr rtlCol="0" anchor="ctr"/>
+          <a:lstStyle/>
+          <a:p>
+            <a:pPr algn="ctr"/>
+            <a:endParaRPr lang="en-US"/>
+          </a:p>
+        </p:txBody>
+      </p:sp>
+      <p:sp>
+        <p:nvSpPr>
+          <p:cNvPr id="12" name="Rectangle 11">
+            <a:extLst>
+              <a:ext uri="{FF2B5EF4-FFF2-40B4-BE49-F238E27FC236}">
+                <a16:creationId xmlns:a16="http://schemas.microsoft.com/office/drawing/2014/main" id="{16BE10A1-AD5F-4AB3-8A94-41D62B494ADB}"/>
+              </a:ext>
+              <a:ext uri="{C183D7F6-B498-43B3-948B-1728B52AA6E4}">
+                <adec:decorative xmlns:adec="http://schemas.microsoft.com/office/drawing/2017/decorative" val="1"/>
+              </a:ext>
+            </a:extLst>
+          </p:cNvPr>
+          <p:cNvSpPr>
+            <a:spLocks noGrp="1" noRot="1" noChangeAspect="1" noMove="1" noResize="1" noEditPoints="1" noAdjustHandles="1" noChangeArrowheads="1" noChangeShapeType="1" noTextEdit="1"/>
+          </p:cNvSpPr>
+          <p:nvPr>
+            <p:extLst>
+              <p:ext uri="{386F3935-93C4-4BCD-93E2-E3B085C9AB24}">
+                <p16:designElem xmlns:p16="http://schemas.microsoft.com/office/powerpoint/2015/main" val="1"/>
+              </p:ext>
+            </p:extLst>
+          </p:nvPr>
+        </p:nvSpPr>
+        <p:spPr>
+          <a:xfrm>
+            <a:off x="234696" y="237744"/>
+            <a:ext cx="4419599" cy="6382512"/>
+          </a:xfrm>
+          <a:prstGeom prst="rect">
+            <a:avLst/>
+          </a:prstGeom>
+          <a:solidFill>
+            <a:schemeClr val="bg1">
+              <a:lumMod val="85000"/>
+              <a:alpha val="60000"/>
+            </a:schemeClr>
+          </a:solidFill>
+          <a:ln w="6350" cap="flat" cmpd="sng" algn="ctr">
+            <a:noFill/>
+            <a:prstDash val="solid"/>
+          </a:ln>
+          <a:effectLst>
+            <a:softEdge rad="0"/>
+          </a:effectLst>
+        </p:spPr>
+      </p:sp>
+      <p:sp>
+        <p:nvSpPr>
+          <p:cNvPr id="2" name="Titre 1">
+            <a:extLst>
+              <a:ext uri="{FF2B5EF4-FFF2-40B4-BE49-F238E27FC236}">
+                <a16:creationId xmlns:a16="http://schemas.microsoft.com/office/drawing/2014/main" id="{C6033016-11DC-7B43-AE43-54F1CE1823E1}"/>
+              </a:ext>
+            </a:extLst>
+          </p:cNvPr>
+          <p:cNvSpPr>
+            <a:spLocks noGrp="1"/>
+          </p:cNvSpPr>
+          <p:nvPr>
+            <p:ph type="title"/>
+          </p:nvPr>
+        </p:nvSpPr>
+        <p:spPr>
+          <a:xfrm>
+            <a:off x="573409" y="559477"/>
+            <a:ext cx="3765200" cy="5709931"/>
+          </a:xfrm>
+        </p:spPr>
+        <p:txBody>
+          <a:bodyPr>
+            <a:normAutofit/>
+          </a:bodyPr>
+          <a:lstStyle/>
+          <a:p>
+            <a:pPr algn="ctr"/>
+            <a:r>
+              <a:rPr lang="fr-FR" dirty="0"/>
+              <a:t>LESSONS LEARN</a:t>
+            </a:r>
+            <a:endParaRPr lang="fr-FR"/>
+          </a:p>
+        </p:txBody>
+      </p:sp>
+      <p:sp>
+        <p:nvSpPr>
+          <p:cNvPr id="14" name="Rectangle 13">
+            <a:extLst>
+              <a:ext uri="{FF2B5EF4-FFF2-40B4-BE49-F238E27FC236}">
+                <a16:creationId xmlns:a16="http://schemas.microsoft.com/office/drawing/2014/main" id="{5684BFFE-6A90-4311-ACD5-B34177D46462}"/>
+              </a:ext>
+              <a:ext uri="{C183D7F6-B498-43B3-948B-1728B52AA6E4}">
+                <adec:decorative xmlns:adec="http://schemas.microsoft.com/office/drawing/2017/decorative" val="1"/>
+              </a:ext>
+            </a:extLst>
+          </p:cNvPr>
+          <p:cNvSpPr>
+            <a:spLocks noGrp="1" noRot="1" noChangeAspect="1" noMove="1" noResize="1" noEditPoints="1" noAdjustHandles="1" noChangeArrowheads="1" noChangeShapeType="1" noTextEdit="1"/>
+          </p:cNvSpPr>
+          <p:nvPr>
+            <p:extLst>
+              <p:ext uri="{386F3935-93C4-4BCD-93E2-E3B085C9AB24}">
+                <p16:designElem xmlns:p16="http://schemas.microsoft.com/office/powerpoint/2015/main" val="1"/>
+              </p:ext>
+            </p:extLst>
+          </p:nvPr>
+        </p:nvSpPr>
+        <p:spPr>
+          <a:xfrm>
+            <a:off x="371856" y="374904"/>
+            <a:ext cx="4122323" cy="6108192"/>
+          </a:xfrm>
+          <a:prstGeom prst="rect">
+            <a:avLst/>
+          </a:prstGeom>
+          <a:noFill/>
+          <a:ln w="6350" cap="sq" cmpd="sng" algn="ctr">
+            <a:solidFill>
+              <a:schemeClr val="tx1">
+                <a:lumMod val="75000"/>
+                <a:lumOff val="25000"/>
+              </a:schemeClr>
+            </a:solidFill>
+            <a:prstDash val="solid"/>
+            <a:miter lim="800000"/>
+          </a:ln>
+          <a:effectLst/>
+        </p:spPr>
+      </p:sp>
+      <p:graphicFrame>
+        <p:nvGraphicFramePr>
+          <p:cNvPr id="5" name="Espace réservé du contenu 2">
+            <a:extLst>
+              <a:ext uri="{FF2B5EF4-FFF2-40B4-BE49-F238E27FC236}">
+                <a16:creationId xmlns:a16="http://schemas.microsoft.com/office/drawing/2014/main" id="{1B474E85-F4A8-4A3C-B079-467AE50F14DE}"/>
+              </a:ext>
+            </a:extLst>
+          </p:cNvPr>
+          <p:cNvGraphicFramePr>
+            <a:graphicFrameLocks noGrp="1"/>
+          </p:cNvGraphicFramePr>
+          <p:nvPr>
+            <p:ph idx="1"/>
+            <p:extLst>
+              <p:ext uri="{D42A27DB-BD31-4B8C-83A1-F6EECF244321}">
+                <p14:modId xmlns:p14="http://schemas.microsoft.com/office/powerpoint/2010/main" val="1046982289"/>
+              </p:ext>
+            </p:extLst>
+          </p:nvPr>
+        </p:nvGraphicFramePr>
+        <p:xfrm>
+          <a:off x="5478124" y="800947"/>
+          <a:ext cx="5906181" cy="5230718"/>
+        </p:xfrm>
+        <a:graphic>
+          <a:graphicData uri="http://schemas.openxmlformats.org/drawingml/2006/diagram">
+            <dgm:relIds xmlns:dgm="http://schemas.openxmlformats.org/drawingml/2006/diagram" xmlns:r="http://schemas.openxmlformats.org/officeDocument/2006/relationships" r:dm="rId2" r:lo="rId3" r:qs="rId4" r:cs="rId5"/>
+          </a:graphicData>
+        </a:graphic>
+      </p:graphicFrame>
+    </p:spTree>
+    <p:extLst>
+      <p:ext uri="{BB962C8B-B14F-4D97-AF65-F5344CB8AC3E}">
+        <p14:creationId xmlns:p14="http://schemas.microsoft.com/office/powerpoint/2010/main" val="2991477075"/>
+      </p:ext>
+    </p:extLst>
+  </p:cSld>
+  <p:clrMapOvr>
+    <a:masterClrMapping/>
+  </p:clrMapOvr>
+</p:sld>
+</file>
+
 <file path=ppt/slides/slide2.xml><?xml version="1.0" encoding="utf-8"?>
+<p:sld xmlns:a="http://schemas.openxmlformats.org/drawingml/2006/main" xmlns:r="http://schemas.openxmlformats.org/officeDocument/2006/relationships" xmlns:p="http://schemas.openxmlformats.org/presentationml/2006/main">
+  <p:cSld>
+    <p:spTree>
+      <p:nvGrpSpPr>
+        <p:cNvPr id="1" name=""/>
+        <p:cNvGrpSpPr/>
+        <p:nvPr/>
+      </p:nvGrpSpPr>
+      <p:grpSpPr>
+        <a:xfrm>
+          <a:off x="0" y="0"/>
+          <a:ext cx="0" cy="0"/>
+          <a:chOff x="0" y="0"/>
+          <a:chExt cx="0" cy="0"/>
+        </a:xfrm>
+      </p:grpSpPr>
+      <p:sp>
+        <p:nvSpPr>
+          <p:cNvPr id="2" name="Titre 1">
+            <a:extLst>
+              <a:ext uri="{FF2B5EF4-FFF2-40B4-BE49-F238E27FC236}">
+                <a16:creationId xmlns:a16="http://schemas.microsoft.com/office/drawing/2014/main" id="{7C996928-3608-C44F-99ED-A3336C96B76B}"/>
+              </a:ext>
+            </a:extLst>
+          </p:cNvPr>
+          <p:cNvSpPr>
+            <a:spLocks noGrp="1"/>
+          </p:cNvSpPr>
+          <p:nvPr>
+            <p:ph type="title"/>
+          </p:nvPr>
+        </p:nvSpPr>
+        <p:spPr/>
+        <p:txBody>
+          <a:bodyPr/>
+          <a:lstStyle/>
+          <a:p>
+            <a:r>
+              <a:rPr lang="fr-FR" dirty="0" err="1"/>
+              <a:t>surfers</a:t>
+            </a:r>
+            <a:endParaRPr lang="fr-FR" dirty="0"/>
+          </a:p>
+        </p:txBody>
+      </p:sp>
+      <p:sp>
+        <p:nvSpPr>
+          <p:cNvPr id="3" name="Espace réservé du contenu 2">
+            <a:extLst>
+              <a:ext uri="{FF2B5EF4-FFF2-40B4-BE49-F238E27FC236}">
+                <a16:creationId xmlns:a16="http://schemas.microsoft.com/office/drawing/2014/main" id="{C079B097-C40E-4149-8488-60D9274AD3C7}"/>
+              </a:ext>
+            </a:extLst>
+          </p:cNvPr>
+          <p:cNvSpPr>
+            <a:spLocks noGrp="1"/>
+          </p:cNvSpPr>
+          <p:nvPr>
+            <p:ph idx="1"/>
+          </p:nvPr>
+        </p:nvSpPr>
+        <p:spPr/>
+        <p:txBody>
+          <a:bodyPr/>
+          <a:lstStyle/>
+          <a:p>
+            <a:r>
+              <a:rPr lang="fr-FR" dirty="0"/>
+              <a:t>Hello </a:t>
+            </a:r>
+          </a:p>
+          <a:p>
+            <a:r>
+              <a:rPr lang="fr-FR" dirty="0" err="1"/>
+              <a:t>welcome</a:t>
+            </a:r>
+            <a:endParaRPr lang="fr-FR" dirty="0"/>
+          </a:p>
+        </p:txBody>
+      </p:sp>
+    </p:spTree>
+    <p:extLst>
+      <p:ext uri="{BB962C8B-B14F-4D97-AF65-F5344CB8AC3E}">
+        <p14:creationId xmlns:p14="http://schemas.microsoft.com/office/powerpoint/2010/main" val="1032280072"/>
+      </p:ext>
+    </p:extLst>
+  </p:cSld>
+  <p:clrMapOvr>
+    <a:masterClrMapping/>
+  </p:clrMapOvr>
+</p:sld>
+</file>
+
+<file path=ppt/slides/slide3.xml><?xml version="1.0" encoding="utf-8"?>
 <p:sld xmlns:a="http://schemas.openxmlformats.org/drawingml/2006/main" xmlns:r="http://schemas.openxmlformats.org/officeDocument/2006/relationships" xmlns:p="http://schemas.openxmlformats.org/presentationml/2006/main">
   <p:cSld>
     <p:bg>
@@ -19334,7 +19691,7 @@
 </p:sld>
 </file>
 
-<file path=ppt/slides/slide3.xml><?xml version="1.0" encoding="utf-8"?>
+<file path=ppt/slides/slide4.xml><?xml version="1.0" encoding="utf-8"?>
 <p:sld xmlns:a="http://schemas.openxmlformats.org/drawingml/2006/main" xmlns:r="http://schemas.openxmlformats.org/officeDocument/2006/relationships" xmlns:p="http://schemas.openxmlformats.org/presentationml/2006/main">
   <p:cSld>
     <p:bg>
@@ -20205,7 +20562,7 @@
 </p:sld>
 </file>
 
-<file path=ppt/slides/slide4.xml><?xml version="1.0" encoding="utf-8"?>
+<file path=ppt/slides/slide5.xml><?xml version="1.0" encoding="utf-8"?>
 <p:sld xmlns:a="http://schemas.openxmlformats.org/drawingml/2006/main" xmlns:r="http://schemas.openxmlformats.org/officeDocument/2006/relationships" xmlns:p="http://schemas.openxmlformats.org/presentationml/2006/main">
   <p:cSld>
     <p:bg>
@@ -20310,7 +20667,7 @@
 </p:sld>
 </file>
 
-<file path=ppt/slides/slide5.xml><?xml version="1.0" encoding="utf-8"?>
+<file path=ppt/slides/slide6.xml><?xml version="1.0" encoding="utf-8"?>
 <p:sld xmlns:a="http://schemas.openxmlformats.org/drawingml/2006/main" xmlns:r="http://schemas.openxmlformats.org/officeDocument/2006/relationships" xmlns:p="http://schemas.openxmlformats.org/presentationml/2006/main">
   <p:cSld>
     <p:bg>
@@ -20415,7 +20772,7 @@
 </p:sld>
 </file>
 
-<file path=ppt/slides/slide6.xml><?xml version="1.0" encoding="utf-8"?>
+<file path=ppt/slides/slide7.xml><?xml version="1.0" encoding="utf-8"?>
 <p:sld xmlns:a="http://schemas.openxmlformats.org/drawingml/2006/main" xmlns:r="http://schemas.openxmlformats.org/officeDocument/2006/relationships" xmlns:p="http://schemas.openxmlformats.org/presentationml/2006/main">
   <p:cSld>
     <p:bg>
@@ -21463,7 +21820,7 @@
 </p:sld>
 </file>
 
-<file path=ppt/slides/slide7.xml><?xml version="1.0" encoding="utf-8"?>
+<file path=ppt/slides/slide8.xml><?xml version="1.0" encoding="utf-8"?>
 <p:sld xmlns:a="http://schemas.openxmlformats.org/drawingml/2006/main" xmlns:r="http://schemas.openxmlformats.org/officeDocument/2006/relationships" xmlns:p="http://schemas.openxmlformats.org/presentationml/2006/main">
   <p:cSld>
     <p:spTree>
@@ -21522,7 +21879,7 @@
 </p:sld>
 </file>
 
-<file path=ppt/slides/slide8.xml><?xml version="1.0" encoding="utf-8"?>
+<file path=ppt/slides/slide9.xml><?xml version="1.0" encoding="utf-8"?>
 <p:sld xmlns:a="http://schemas.openxmlformats.org/drawingml/2006/main" xmlns:r="http://schemas.openxmlformats.org/officeDocument/2006/relationships" xmlns:p="http://schemas.openxmlformats.org/presentationml/2006/main">
   <p:cSld>
     <p:bg>
@@ -21769,263 +22126,6 @@
     <p:extLst>
       <p:ext uri="{BB962C8B-B14F-4D97-AF65-F5344CB8AC3E}">
         <p14:creationId xmlns:p14="http://schemas.microsoft.com/office/powerpoint/2010/main" val="3002566279"/>
-      </p:ext>
-    </p:extLst>
-  </p:cSld>
-  <p:clrMapOvr>
-    <a:masterClrMapping/>
-  </p:clrMapOvr>
-</p:sld>
-</file>
-
-<file path=ppt/slides/slide9.xml><?xml version="1.0" encoding="utf-8"?>
-<p:sld xmlns:a="http://schemas.openxmlformats.org/drawingml/2006/main" xmlns:r="http://schemas.openxmlformats.org/officeDocument/2006/relationships" xmlns:p="http://schemas.openxmlformats.org/presentationml/2006/main">
-  <p:cSld>
-    <p:bg>
-      <p:bgPr>
-        <a:solidFill>
-          <a:schemeClr val="bg1"/>
-        </a:solidFill>
-        <a:effectLst/>
-      </p:bgPr>
-    </p:bg>
-    <p:spTree>
-      <p:nvGrpSpPr>
-        <p:cNvPr id="1" name=""/>
-        <p:cNvGrpSpPr/>
-        <p:nvPr/>
-      </p:nvGrpSpPr>
-      <p:grpSpPr>
-        <a:xfrm>
-          <a:off x="0" y="0"/>
-          <a:ext cx="0" cy="0"/>
-          <a:chOff x="0" y="0"/>
-          <a:chExt cx="0" cy="0"/>
-        </a:xfrm>
-      </p:grpSpPr>
-      <p:sp useBgFill="1">
-        <p:nvSpPr>
-          <p:cNvPr id="10" name="Rectangle 9">
-            <a:extLst>
-              <a:ext uri="{FF2B5EF4-FFF2-40B4-BE49-F238E27FC236}">
-                <a16:creationId xmlns:a16="http://schemas.microsoft.com/office/drawing/2014/main" id="{A2AD6B69-E0A0-476D-9EE1-6B69F04C59F8}"/>
-              </a:ext>
-              <a:ext uri="{C183D7F6-B498-43B3-948B-1728B52AA6E4}">
-                <adec:decorative xmlns:adec="http://schemas.microsoft.com/office/drawing/2017/decorative" val="1"/>
-              </a:ext>
-            </a:extLst>
-          </p:cNvPr>
-          <p:cNvSpPr>
-            <a:spLocks noGrp="1" noRot="1" noChangeAspect="1" noMove="1" noResize="1" noEditPoints="1" noAdjustHandles="1" noChangeArrowheads="1" noChangeShapeType="1" noTextEdit="1"/>
-          </p:cNvSpPr>
-          <p:nvPr>
-            <p:extLst>
-              <p:ext uri="{386F3935-93C4-4BCD-93E2-E3B085C9AB24}">
-                <p16:designElem xmlns:p16="http://schemas.microsoft.com/office/powerpoint/2015/main" val="1"/>
-              </p:ext>
-            </p:extLst>
-          </p:nvPr>
-        </p:nvSpPr>
-        <p:spPr>
-          <a:xfrm>
-            <a:off x="0" y="0"/>
-            <a:ext cx="12192000" cy="6858000"/>
-          </a:xfrm>
-          <a:prstGeom prst="rect">
-            <a:avLst/>
-          </a:prstGeom>
-          <a:ln>
-            <a:noFill/>
-          </a:ln>
-        </p:spPr>
-        <p:style>
-          <a:lnRef idx="2">
-            <a:schemeClr val="accent1">
-              <a:shade val="50000"/>
-            </a:schemeClr>
-          </a:lnRef>
-          <a:fillRef idx="1">
-            <a:schemeClr val="accent1"/>
-          </a:fillRef>
-          <a:effectRef idx="0">
-            <a:schemeClr val="accent1"/>
-          </a:effectRef>
-          <a:fontRef idx="minor">
-            <a:schemeClr val="lt1"/>
-          </a:fontRef>
-        </p:style>
-        <p:txBody>
-          <a:bodyPr rtlCol="0" anchor="ctr"/>
-          <a:lstStyle/>
-          <a:p>
-            <a:pPr algn="ctr"/>
-            <a:endParaRPr lang="en-US"/>
-          </a:p>
-        </p:txBody>
-      </p:sp>
-      <p:sp>
-        <p:nvSpPr>
-          <p:cNvPr id="12" name="Rectangle 11">
-            <a:extLst>
-              <a:ext uri="{FF2B5EF4-FFF2-40B4-BE49-F238E27FC236}">
-                <a16:creationId xmlns:a16="http://schemas.microsoft.com/office/drawing/2014/main" id="{16BE10A1-AD5F-4AB3-8A94-41D62B494ADB}"/>
-              </a:ext>
-              <a:ext uri="{C183D7F6-B498-43B3-948B-1728B52AA6E4}">
-                <adec:decorative xmlns:adec="http://schemas.microsoft.com/office/drawing/2017/decorative" val="1"/>
-              </a:ext>
-            </a:extLst>
-          </p:cNvPr>
-          <p:cNvSpPr>
-            <a:spLocks noGrp="1" noRot="1" noChangeAspect="1" noMove="1" noResize="1" noEditPoints="1" noAdjustHandles="1" noChangeArrowheads="1" noChangeShapeType="1" noTextEdit="1"/>
-          </p:cNvSpPr>
-          <p:nvPr>
-            <p:extLst>
-              <p:ext uri="{386F3935-93C4-4BCD-93E2-E3B085C9AB24}">
-                <p16:designElem xmlns:p16="http://schemas.microsoft.com/office/powerpoint/2015/main" val="1"/>
-              </p:ext>
-            </p:extLst>
-          </p:nvPr>
-        </p:nvSpPr>
-        <p:spPr>
-          <a:xfrm>
-            <a:off x="234696" y="237744"/>
-            <a:ext cx="4419599" cy="6382512"/>
-          </a:xfrm>
-          <a:prstGeom prst="rect">
-            <a:avLst/>
-          </a:prstGeom>
-          <a:solidFill>
-            <a:schemeClr val="bg1">
-              <a:lumMod val="85000"/>
-              <a:alpha val="60000"/>
-            </a:schemeClr>
-          </a:solidFill>
-          <a:ln w="6350" cap="flat" cmpd="sng" algn="ctr">
-            <a:noFill/>
-            <a:prstDash val="solid"/>
-          </a:ln>
-          <a:effectLst>
-            <a:softEdge rad="0"/>
-          </a:effectLst>
-        </p:spPr>
-      </p:sp>
-      <p:sp>
-        <p:nvSpPr>
-          <p:cNvPr id="2" name="Titre 1">
-            <a:extLst>
-              <a:ext uri="{FF2B5EF4-FFF2-40B4-BE49-F238E27FC236}">
-                <a16:creationId xmlns:a16="http://schemas.microsoft.com/office/drawing/2014/main" id="{C6033016-11DC-7B43-AE43-54F1CE1823E1}"/>
-              </a:ext>
-            </a:extLst>
-          </p:cNvPr>
-          <p:cNvSpPr>
-            <a:spLocks noGrp="1"/>
-          </p:cNvSpPr>
-          <p:nvPr>
-            <p:ph type="title"/>
-          </p:nvPr>
-        </p:nvSpPr>
-        <p:spPr>
-          <a:xfrm>
-            <a:off x="573409" y="559477"/>
-            <a:ext cx="3765200" cy="5709931"/>
-          </a:xfrm>
-        </p:spPr>
-        <p:txBody>
-          <a:bodyPr>
-            <a:normAutofit/>
-          </a:bodyPr>
-          <a:lstStyle/>
-          <a:p>
-            <a:pPr algn="ctr"/>
-            <a:r>
-              <a:rPr lang="fr-FR" dirty="0"/>
-              <a:t>LESSONS LEARN</a:t>
-            </a:r>
-            <a:endParaRPr lang="fr-FR"/>
-          </a:p>
-        </p:txBody>
-      </p:sp>
-      <p:sp>
-        <p:nvSpPr>
-          <p:cNvPr id="14" name="Rectangle 13">
-            <a:extLst>
-              <a:ext uri="{FF2B5EF4-FFF2-40B4-BE49-F238E27FC236}">
-                <a16:creationId xmlns:a16="http://schemas.microsoft.com/office/drawing/2014/main" id="{5684BFFE-6A90-4311-ACD5-B34177D46462}"/>
-              </a:ext>
-              <a:ext uri="{C183D7F6-B498-43B3-948B-1728B52AA6E4}">
-                <adec:decorative xmlns:adec="http://schemas.microsoft.com/office/drawing/2017/decorative" val="1"/>
-              </a:ext>
-            </a:extLst>
-          </p:cNvPr>
-          <p:cNvSpPr>
-            <a:spLocks noGrp="1" noRot="1" noChangeAspect="1" noMove="1" noResize="1" noEditPoints="1" noAdjustHandles="1" noChangeArrowheads="1" noChangeShapeType="1" noTextEdit="1"/>
-          </p:cNvSpPr>
-          <p:nvPr>
-            <p:extLst>
-              <p:ext uri="{386F3935-93C4-4BCD-93E2-E3B085C9AB24}">
-                <p16:designElem xmlns:p16="http://schemas.microsoft.com/office/powerpoint/2015/main" val="1"/>
-              </p:ext>
-            </p:extLst>
-          </p:nvPr>
-        </p:nvSpPr>
-        <p:spPr>
-          <a:xfrm>
-            <a:off x="371856" y="374904"/>
-            <a:ext cx="4122323" cy="6108192"/>
-          </a:xfrm>
-          <a:prstGeom prst="rect">
-            <a:avLst/>
-          </a:prstGeom>
-          <a:noFill/>
-          <a:ln w="6350" cap="sq" cmpd="sng" algn="ctr">
-            <a:solidFill>
-              <a:schemeClr val="tx1">
-                <a:lumMod val="75000"/>
-                <a:lumOff val="25000"/>
-              </a:schemeClr>
-            </a:solidFill>
-            <a:prstDash val="solid"/>
-            <a:miter lim="800000"/>
-          </a:ln>
-          <a:effectLst/>
-        </p:spPr>
-      </p:sp>
-      <p:graphicFrame>
-        <p:nvGraphicFramePr>
-          <p:cNvPr id="5" name="Espace réservé du contenu 2">
-            <a:extLst>
-              <a:ext uri="{FF2B5EF4-FFF2-40B4-BE49-F238E27FC236}">
-                <a16:creationId xmlns:a16="http://schemas.microsoft.com/office/drawing/2014/main" id="{1B474E85-F4A8-4A3C-B079-467AE50F14DE}"/>
-              </a:ext>
-            </a:extLst>
-          </p:cNvPr>
-          <p:cNvGraphicFramePr>
-            <a:graphicFrameLocks noGrp="1"/>
-          </p:cNvGraphicFramePr>
-          <p:nvPr>
-            <p:ph idx="1"/>
-            <p:extLst>
-              <p:ext uri="{D42A27DB-BD31-4B8C-83A1-F6EECF244321}">
-                <p14:modId xmlns:p14="http://schemas.microsoft.com/office/powerpoint/2010/main" val="1046982289"/>
-              </p:ext>
-            </p:extLst>
-          </p:nvPr>
-        </p:nvGraphicFramePr>
-        <p:xfrm>
-          <a:off x="5478124" y="800947"/>
-          <a:ext cx="5906181" cy="5230718"/>
-        </p:xfrm>
-        <a:graphic>
-          <a:graphicData uri="http://schemas.openxmlformats.org/drawingml/2006/diagram">
-            <dgm:relIds xmlns:dgm="http://schemas.openxmlformats.org/drawingml/2006/diagram" xmlns:r="http://schemas.openxmlformats.org/officeDocument/2006/relationships" r:dm="rId2" r:lo="rId3" r:qs="rId4" r:cs="rId5"/>
-          </a:graphicData>
-        </a:graphic>
-      </p:graphicFrame>
-    </p:spTree>
-    <p:extLst>
-      <p:ext uri="{BB962C8B-B14F-4D97-AF65-F5344CB8AC3E}">
-        <p14:creationId xmlns:p14="http://schemas.microsoft.com/office/powerpoint/2010/main" val="2991477075"/>
       </p:ext>
     </p:extLst>
   </p:cSld>
